--- a/Lab12_OBD/AP_L11_20190529_0800_G01.pptx
+++ b/Lab12_OBD/AP_L11_20190529_0800_G01.pptx
@@ -291,7 +291,7 @@
               <a:pPr>
                 <a:defRPr/>
               </a:pPr>
-              <a:t>6/4/2019</a:t>
+              <a:t>6/5/2019</a:t>
             </a:fld>
             <a:endParaRPr lang="pl-PL"/>
           </a:p>
@@ -533,7 +533,7 @@
               <a:pPr>
                 <a:defRPr/>
               </a:pPr>
-              <a:t>6/4/2019</a:t>
+              <a:t>6/5/2019</a:t>
             </a:fld>
             <a:endParaRPr lang="pl-PL"/>
           </a:p>
@@ -6849,7 +6849,7 @@
         </p:nvSpPr>
         <p:spPr>
           <a:xfrm>
-            <a:off x="129704" y="84530"/>
+            <a:off x="294957" y="347204"/>
             <a:ext cx="8229600" cy="657225"/>
           </a:xfrm>
         </p:spPr>
@@ -7150,8 +7150,8 @@
         </p:nvSpPr>
         <p:spPr>
           <a:xfrm>
-            <a:off x="790831" y="1272746"/>
-            <a:ext cx="3632887" cy="923330"/>
+            <a:off x="790831" y="1272747"/>
+            <a:ext cx="7951053" cy="4204356"/>
           </a:xfrm>
           <a:prstGeom prst="rect">
             <a:avLst/>
@@ -7164,41 +7164,23 @@
           </a:bodyPr>
           <a:lstStyle/>
           <a:p>
+            <a:pPr algn="just">
+              <a:lnSpc>
+                <a:spcPct val="150000"/>
+              </a:lnSpc>
+            </a:pPr>
             <a:r>
               <a:rPr lang="pl-PL" dirty="0"/>
               <a:t>Celem zajęć było zbudowanie aplikacji od wysyłania i odbierania wiadomości w standardzie OBDII.</a:t>
             </a:r>
-          </a:p>
-        </p:txBody>
-      </p:sp>
-      <p:sp>
-        <p:nvSpPr>
-          <p:cNvPr id="4" name="pole tekstowe 3">
-            <a:extLst>
-              <a:ext uri="{FF2B5EF4-FFF2-40B4-BE49-F238E27FC236}">
-                <a16:creationId xmlns:a16="http://schemas.microsoft.com/office/drawing/2014/main" id="{C1C0D5C8-74E3-41DE-8C93-466643306973}"/>
-              </a:ext>
-            </a:extLst>
-          </p:cNvPr>
-          <p:cNvSpPr txBox="1"/>
-          <p:nvPr/>
-        </p:nvSpPr>
-        <p:spPr>
-          <a:xfrm>
-            <a:off x="4893277" y="1890583"/>
-            <a:ext cx="3459892" cy="2031325"/>
-          </a:xfrm>
-          <a:prstGeom prst="rect">
-            <a:avLst/>
-          </a:prstGeom>
-          <a:noFill/>
-        </p:spPr>
-        <p:txBody>
-          <a:bodyPr wrap="square" rtlCol="0">
-            <a:spAutoFit/>
-          </a:bodyPr>
-          <a:lstStyle/>
-          <a:p>
+            <a:endParaRPr lang="en-GB" dirty="0"/>
+          </a:p>
+          <a:p>
+            <a:pPr algn="just">
+              <a:lnSpc>
+                <a:spcPct val="150000"/>
+              </a:lnSpc>
+            </a:pPr>
             <a:r>
               <a:rPr lang="pl-PL" dirty="0"/>
               <a:t>Należało zaprojektować w programie Canoe firmy </a:t>
@@ -7209,43 +7191,52 @@
             </a:r>
             <a:r>
               <a:rPr lang="pl-PL" dirty="0"/>
-              <a:t> dwa węzły z czego jeden z nich miał służyć jako tester diagnostyczny, a drugi jak układ samochodu odpowiadający danymi na konkretne żądania</a:t>
-            </a:r>
-          </a:p>
-        </p:txBody>
-      </p:sp>
-      <p:sp>
-        <p:nvSpPr>
-          <p:cNvPr id="5" name="pole tekstowe 4">
-            <a:extLst>
-              <a:ext uri="{FF2B5EF4-FFF2-40B4-BE49-F238E27FC236}">
-                <a16:creationId xmlns:a16="http://schemas.microsoft.com/office/drawing/2014/main" id="{A1E014B0-BBA9-4D71-A1F6-AF3D66AD9765}"/>
-              </a:ext>
-            </a:extLst>
-          </p:cNvPr>
-          <p:cNvSpPr txBox="1"/>
-          <p:nvPr/>
-        </p:nvSpPr>
-        <p:spPr>
-          <a:xfrm>
-            <a:off x="1124465" y="3429000"/>
-            <a:ext cx="2903838" cy="1477328"/>
-          </a:xfrm>
-          <a:prstGeom prst="rect">
-            <a:avLst/>
-          </a:prstGeom>
-          <a:noFill/>
-        </p:spPr>
-        <p:txBody>
-          <a:bodyPr wrap="square" rtlCol="0">
-            <a:spAutoFit/>
-          </a:bodyPr>
-          <a:lstStyle/>
-          <a:p>
+              <a:t> dwa węzły z czego jeden z nich miał służyć jako tester diagnostyczny, wysyła</a:t>
+            </a:r>
+            <a:r>
+              <a:rPr lang="en-GB" dirty="0"/>
+              <a:t>j</a:t>
+            </a:r>
             <a:r>
               <a:rPr lang="pl-PL" dirty="0"/>
-              <a:t>Żądania wysyłane przez tester miały być sterowane z panelu dającego możliwość ustawienia wartości poszczególnych sygnałów.</a:t>
-            </a:r>
+              <a:t>ą</a:t>
+            </a:r>
+            <a:r>
+              <a:rPr lang="en-GB" dirty="0"/>
+              <a:t>cy</a:t>
+            </a:r>
+            <a:r>
+              <a:rPr lang="pl-PL" dirty="0"/>
+              <a:t> określone zapytania poprzez magistralę CAN do elektronicznego modułu samochodowego, a drugi jako układ samochodu odpowiadający danymi na konkretne żądania.</a:t>
+            </a:r>
+            <a:endParaRPr lang="en-GB" dirty="0"/>
+          </a:p>
+          <a:p>
+            <a:pPr algn="just">
+              <a:lnSpc>
+                <a:spcPct val="150000"/>
+              </a:lnSpc>
+            </a:pPr>
+            <a:r>
+              <a:rPr lang="pl-PL" dirty="0"/>
+              <a:t>Zapytania wysyłane przez tester miały być sterowane z panelu dającego możliwość ustawienia wartości poszczególnych sygnałów.</a:t>
+            </a:r>
+          </a:p>
+          <a:p>
+            <a:pPr algn="just">
+              <a:lnSpc>
+                <a:spcPct val="150000"/>
+              </a:lnSpc>
+            </a:pPr>
+            <a:endParaRPr lang="pl-PL" dirty="0"/>
+          </a:p>
+          <a:p>
+            <a:pPr algn="just">
+              <a:lnSpc>
+                <a:spcPct val="150000"/>
+              </a:lnSpc>
+            </a:pPr>
+            <a:endParaRPr lang="pl-PL" dirty="0"/>
           </a:p>
         </p:txBody>
       </p:sp>
@@ -7292,7 +7283,7 @@
         </p:nvSpPr>
         <p:spPr>
           <a:xfrm>
-            <a:off x="73902" y="39377"/>
+            <a:off x="250172" y="265968"/>
             <a:ext cx="5429024" cy="453182"/>
           </a:xfrm>
         </p:spPr>
@@ -7601,7 +7592,7 @@
         </p:blipFill>
         <p:spPr>
           <a:xfrm>
-            <a:off x="7178914" y="618088"/>
+            <a:off x="7617365" y="1821842"/>
             <a:ext cx="1211685" cy="3718882"/>
           </a:xfrm>
           <a:prstGeom prst="rect">
@@ -7609,6 +7600,199 @@
           </a:prstGeom>
         </p:spPr>
       </p:pic>
+      <p:sp>
+        <p:nvSpPr>
+          <p:cNvPr id="2" name="pole tekstowe 1">
+            <a:extLst>
+              <a:ext uri="{FF2B5EF4-FFF2-40B4-BE49-F238E27FC236}">
+                <a16:creationId xmlns:a16="http://schemas.microsoft.com/office/drawing/2014/main" id="{0D7776AD-12C7-4C90-858C-E6B71F780BDB}"/>
+              </a:ext>
+            </a:extLst>
+          </p:cNvPr>
+          <p:cNvSpPr txBox="1"/>
+          <p:nvPr/>
+        </p:nvSpPr>
+        <p:spPr>
+          <a:xfrm>
+            <a:off x="7529289" y="178484"/>
+            <a:ext cx="1427423" cy="1477328"/>
+          </a:xfrm>
+          <a:prstGeom prst="rect">
+            <a:avLst/>
+          </a:prstGeom>
+          <a:noFill/>
+        </p:spPr>
+        <p:txBody>
+          <a:bodyPr wrap="square" rtlCol="0">
+            <a:spAutoFit/>
+          </a:bodyPr>
+          <a:lstStyle/>
+          <a:p>
+            <a:r>
+              <a:rPr lang="pl-PL" dirty="0"/>
+              <a:t>Sygnały i wiadomości zdefiniowane w bazie danych</a:t>
+            </a:r>
+          </a:p>
+        </p:txBody>
+      </p:sp>
+      <p:pic>
+        <p:nvPicPr>
+          <p:cNvPr id="3" name="Obraz 2">
+            <a:extLst>
+              <a:ext uri="{FF2B5EF4-FFF2-40B4-BE49-F238E27FC236}">
+                <a16:creationId xmlns:a16="http://schemas.microsoft.com/office/drawing/2014/main" id="{85E50F65-6A89-4868-9ACF-A518DBE37BC0}"/>
+              </a:ext>
+            </a:extLst>
+          </p:cNvPr>
+          <p:cNvPicPr>
+            <a:picLocks noChangeAspect="1"/>
+          </p:cNvPicPr>
+          <p:nvPr/>
+        </p:nvPicPr>
+        <p:blipFill>
+          <a:blip r:embed="rId4"/>
+          <a:stretch>
+            <a:fillRect/>
+          </a:stretch>
+        </p:blipFill>
+        <p:spPr>
+          <a:xfrm>
+            <a:off x="70845" y="1519145"/>
+            <a:ext cx="2420772" cy="3752426"/>
+          </a:xfrm>
+          <a:prstGeom prst="rect">
+            <a:avLst/>
+          </a:prstGeom>
+        </p:spPr>
+      </p:pic>
+      <p:sp>
+        <p:nvSpPr>
+          <p:cNvPr id="5" name="Prostokąt 4">
+            <a:extLst>
+              <a:ext uri="{FF2B5EF4-FFF2-40B4-BE49-F238E27FC236}">
+                <a16:creationId xmlns:a16="http://schemas.microsoft.com/office/drawing/2014/main" id="{228D041D-2A0A-4F23-8D93-BB18D9C00EF5}"/>
+              </a:ext>
+            </a:extLst>
+          </p:cNvPr>
+          <p:cNvSpPr/>
+          <p:nvPr/>
+        </p:nvSpPr>
+        <p:spPr>
+          <a:xfrm>
+            <a:off x="142679" y="824815"/>
+            <a:ext cx="2456430" cy="646331"/>
+          </a:xfrm>
+          <a:prstGeom prst="rect">
+            <a:avLst/>
+          </a:prstGeom>
+        </p:spPr>
+        <p:txBody>
+          <a:bodyPr wrap="square">
+            <a:spAutoFit/>
+          </a:bodyPr>
+          <a:lstStyle/>
+          <a:p>
+            <a:r>
+              <a:rPr lang="pl-PL" dirty="0"/>
+              <a:t>Kod testera diagnostycznego</a:t>
+            </a:r>
+          </a:p>
+        </p:txBody>
+      </p:sp>
+      <p:pic>
+        <p:nvPicPr>
+          <p:cNvPr id="8" name="Obraz 7">
+            <a:extLst>
+              <a:ext uri="{FF2B5EF4-FFF2-40B4-BE49-F238E27FC236}">
+                <a16:creationId xmlns:a16="http://schemas.microsoft.com/office/drawing/2014/main" id="{A784A80B-E938-4B82-921F-7DB2457FA480}"/>
+              </a:ext>
+            </a:extLst>
+          </p:cNvPr>
+          <p:cNvPicPr>
+            <a:picLocks noChangeAspect="1"/>
+          </p:cNvPicPr>
+          <p:nvPr/>
+        </p:nvPicPr>
+        <p:blipFill>
+          <a:blip r:embed="rId5"/>
+          <a:stretch>
+            <a:fillRect/>
+          </a:stretch>
+        </p:blipFill>
+        <p:spPr>
+          <a:xfrm>
+            <a:off x="2456359" y="1307352"/>
+            <a:ext cx="2624810" cy="4476760"/>
+          </a:xfrm>
+          <a:prstGeom prst="rect">
+            <a:avLst/>
+          </a:prstGeom>
+        </p:spPr>
+      </p:pic>
+      <p:pic>
+        <p:nvPicPr>
+          <p:cNvPr id="9" name="Obraz 8">
+            <a:extLst>
+              <a:ext uri="{FF2B5EF4-FFF2-40B4-BE49-F238E27FC236}">
+                <a16:creationId xmlns:a16="http://schemas.microsoft.com/office/drawing/2014/main" id="{C2E8029B-CF6D-4D13-9A6E-6F35BB747A21}"/>
+              </a:ext>
+            </a:extLst>
+          </p:cNvPr>
+          <p:cNvPicPr>
+            <a:picLocks noChangeAspect="1"/>
+          </p:cNvPicPr>
+          <p:nvPr/>
+        </p:nvPicPr>
+        <p:blipFill>
+          <a:blip r:embed="rId6"/>
+          <a:stretch>
+            <a:fillRect/>
+          </a:stretch>
+        </p:blipFill>
+        <p:spPr>
+          <a:xfrm>
+            <a:off x="4992555" y="1352203"/>
+            <a:ext cx="2313053" cy="4476759"/>
+          </a:xfrm>
+          <a:prstGeom prst="rect">
+            <a:avLst/>
+          </a:prstGeom>
+        </p:spPr>
+      </p:pic>
+      <p:sp>
+        <p:nvSpPr>
+          <p:cNvPr id="10" name="Prostokąt 9">
+            <a:extLst>
+              <a:ext uri="{FF2B5EF4-FFF2-40B4-BE49-F238E27FC236}">
+                <a16:creationId xmlns:a16="http://schemas.microsoft.com/office/drawing/2014/main" id="{FD538D3F-DD37-48D7-B195-AEA4601F53CA}"/>
+              </a:ext>
+            </a:extLst>
+          </p:cNvPr>
+          <p:cNvSpPr/>
+          <p:nvPr/>
+        </p:nvSpPr>
+        <p:spPr>
+          <a:xfrm>
+            <a:off x="2590800" y="700522"/>
+            <a:ext cx="3087448" cy="369332"/>
+          </a:xfrm>
+          <a:prstGeom prst="rect">
+            <a:avLst/>
+          </a:prstGeom>
+        </p:spPr>
+        <p:txBody>
+          <a:bodyPr wrap="none">
+            <a:spAutoFit/>
+          </a:bodyPr>
+          <a:lstStyle/>
+          <a:p>
+            <a:r>
+              <a:rPr lang="pl-PL" dirty="0"/>
+              <a:t>Kod modułu odpowiadającego </a:t>
+            </a:r>
+          </a:p>
+        </p:txBody>
+      </p:sp>
     </p:spTree>
   </p:cSld>
   <p:clrMapOvr>
@@ -7652,7 +7836,7 @@
         </p:nvSpPr>
         <p:spPr>
           <a:xfrm>
-            <a:off x="204282" y="138121"/>
+            <a:off x="347501" y="474135"/>
             <a:ext cx="1936750" cy="328613"/>
           </a:xfrm>
         </p:spPr>
@@ -7934,6 +8118,105 @@
             <a:r>
               <a:rPr lang="pl-PL" dirty="0"/>
               <a:t>Sprawozdanie z ćwiczeń laboratoryjnych z Automatyki Pojazdowej</a:t>
+            </a:r>
+          </a:p>
+        </p:txBody>
+      </p:sp>
+      <p:pic>
+        <p:nvPicPr>
+          <p:cNvPr id="2" name="Obraz 1">
+            <a:extLst>
+              <a:ext uri="{FF2B5EF4-FFF2-40B4-BE49-F238E27FC236}">
+                <a16:creationId xmlns:a16="http://schemas.microsoft.com/office/drawing/2014/main" id="{5A9F15AB-E2C8-4D5F-BF0C-C962498E2D9D}"/>
+              </a:ext>
+            </a:extLst>
+          </p:cNvPr>
+          <p:cNvPicPr>
+            <a:picLocks noChangeAspect="1"/>
+          </p:cNvPicPr>
+          <p:nvPr/>
+        </p:nvPicPr>
+        <p:blipFill rotWithShape="1">
+          <a:blip r:embed="rId3"/>
+          <a:srcRect l="543" t="1565"/>
+          <a:stretch/>
+        </p:blipFill>
+        <p:spPr>
+          <a:xfrm>
+            <a:off x="25794" y="1195330"/>
+            <a:ext cx="9094424" cy="3207322"/>
+          </a:xfrm>
+          <a:prstGeom prst="rect">
+            <a:avLst/>
+          </a:prstGeom>
+        </p:spPr>
+      </p:pic>
+      <p:sp>
+        <p:nvSpPr>
+          <p:cNvPr id="3" name="pole tekstowe 2">
+            <a:extLst>
+              <a:ext uri="{FF2B5EF4-FFF2-40B4-BE49-F238E27FC236}">
+                <a16:creationId xmlns:a16="http://schemas.microsoft.com/office/drawing/2014/main" id="{6AAAAC57-23B2-4E7A-9F46-597007E540DD}"/>
+              </a:ext>
+            </a:extLst>
+          </p:cNvPr>
+          <p:cNvSpPr txBox="1"/>
+          <p:nvPr/>
+        </p:nvSpPr>
+        <p:spPr>
+          <a:xfrm>
+            <a:off x="3459296" y="728859"/>
+            <a:ext cx="3016852" cy="369332"/>
+          </a:xfrm>
+          <a:prstGeom prst="rect">
+            <a:avLst/>
+          </a:prstGeom>
+          <a:noFill/>
+        </p:spPr>
+        <p:txBody>
+          <a:bodyPr wrap="none" rtlCol="0">
+            <a:spAutoFit/>
+          </a:bodyPr>
+          <a:lstStyle/>
+          <a:p>
+            <a:r>
+              <a:rPr lang="pl-PL" dirty="0"/>
+              <a:t>Panel testera diagnostycznego</a:t>
+            </a:r>
+          </a:p>
+        </p:txBody>
+      </p:sp>
+      <p:sp>
+        <p:nvSpPr>
+          <p:cNvPr id="5" name="pole tekstowe 4">
+            <a:extLst>
+              <a:ext uri="{FF2B5EF4-FFF2-40B4-BE49-F238E27FC236}">
+                <a16:creationId xmlns:a16="http://schemas.microsoft.com/office/drawing/2014/main" id="{24F2F9B7-AC4D-4AC5-824B-EDE079965F93}"/>
+              </a:ext>
+            </a:extLst>
+          </p:cNvPr>
+          <p:cNvSpPr txBox="1"/>
+          <p:nvPr/>
+        </p:nvSpPr>
+        <p:spPr>
+          <a:xfrm>
+            <a:off x="292417" y="5050826"/>
+            <a:ext cx="7006727" cy="646331"/>
+          </a:xfrm>
+          <a:prstGeom prst="rect">
+            <a:avLst/>
+          </a:prstGeom>
+          <a:noFill/>
+        </p:spPr>
+        <p:txBody>
+          <a:bodyPr wrap="square" rtlCol="0">
+            <a:spAutoFit/>
+          </a:bodyPr>
+          <a:lstStyle/>
+          <a:p>
+            <a:r>
+              <a:rPr lang="pl-PL" dirty="0"/>
+              <a:t>Niestety nie udało nam się dokończyć aplikacji, aby zasymulować komunikację pomiędzy węzłami.</a:t>
             </a:r>
           </a:p>
         </p:txBody>
@@ -8286,8 +8569,8 @@
         </p:nvSpPr>
         <p:spPr>
           <a:xfrm>
-            <a:off x="2298357" y="1729946"/>
-            <a:ext cx="5412259" cy="1477328"/>
+            <a:off x="755996" y="1417638"/>
+            <a:ext cx="7804110" cy="3970318"/>
           </a:xfrm>
           <a:prstGeom prst="rect">
             <a:avLst/>
@@ -8300,10 +8583,48 @@
           </a:bodyPr>
           <a:lstStyle/>
           <a:p>
+            <a:pPr algn="just">
+              <a:lnSpc>
+                <a:spcPct val="150000"/>
+              </a:lnSpc>
+            </a:pPr>
             <a:r>
               <a:rPr lang="pl-PL" dirty="0"/>
-              <a:t>Standard OBDII obecny w praktycznie każdym samochodzie poruszającym się po drogach jest ciekawym zagadnieniem w kontekście sieci CAN. Zbudowana aplikacja pozwoliła zasymulować komunikacje właśnie po przez standard OBDII.</a:t>
-            </a:r>
+              <a:t>Dzięki temu ćwiczeniu zapoznaliśmy się z podstawami diagnostyki samochodowej, która wykorzystuje protokół diagnostyczny oparty na magistrali CAN. Dowiedzieliśmy się, że standard OBDII obecny w praktycznie każdym samochodzie poruszającym się po drogach jest ciekawym zagadnieniem w kontekście sieci CAN.</a:t>
+            </a:r>
+          </a:p>
+          <a:p>
+            <a:pPr algn="just">
+              <a:lnSpc>
+                <a:spcPct val="150000"/>
+              </a:lnSpc>
+            </a:pPr>
+            <a:endParaRPr lang="pl-PL" dirty="0"/>
+          </a:p>
+          <a:p>
+            <a:pPr algn="just">
+              <a:lnSpc>
+                <a:spcPct val="150000"/>
+              </a:lnSpc>
+            </a:pPr>
+            <a:r>
+              <a:rPr lang="pl-PL" dirty="0"/>
+              <a:t>Co prawda zbudowana aplikacja nie pozwoliła do końca  zasymulować komunikacji pomiędzy węzłami, ale przećwiczyliśmy tworzenie wiadomości i sygnałów w programie </a:t>
+            </a:r>
+            <a:r>
+              <a:rPr lang="pl-PL" dirty="0" err="1"/>
+              <a:t>CANoe</a:t>
+            </a:r>
+            <a:r>
+              <a:rPr lang="pl-PL" dirty="0"/>
+              <a:t>.</a:t>
+            </a:r>
+          </a:p>
+          <a:p>
+            <a:endParaRPr lang="pl-PL" dirty="0"/>
+          </a:p>
+          <a:p>
+            <a:endParaRPr lang="pl-PL" dirty="0"/>
           </a:p>
         </p:txBody>
       </p:sp>
